--- a/操作説明など/操作説明など.pptx
+++ b/操作説明など/操作説明など.pptx
@@ -5,10 +5,11 @@
     <p:sldMasterId id="2147483660" r:id="rId1"/>
   </p:sldMasterIdLst>
   <p:notesMasterIdLst>
-    <p:notesMasterId r:id="rId3"/>
+    <p:notesMasterId r:id="rId4"/>
   </p:notesMasterIdLst>
   <p:sldIdLst>
     <p:sldId id="256" r:id="rId2"/>
+    <p:sldId id="257" r:id="rId3"/>
   </p:sldIdLst>
   <p:sldSz cx="6858000" cy="9906000" type="A4"/>
   <p:notesSz cx="6858000" cy="9144000"/>
@@ -208,7 +209,7 @@
           <a:p>
             <a:fld id="{7CBD0A75-57FE-44F5-B8CC-B802ECCAA8CB}" type="datetimeFigureOut">
               <a:rPr kumimoji="1" lang="ja-JP" altLang="en-US" smtClean="0"/>
-              <a:t>2018/9/3</a:t>
+              <a:t>2018/9/7</a:t>
             </a:fld>
             <a:endParaRPr kumimoji="1" lang="ja-JP" altLang="en-US"/>
           </a:p>
@@ -592,6 +593,90 @@
 </p:notes>
 </file>
 
+<file path=ppt/notesSlides/notesSlide2.xml><?xml version="1.0" encoding="utf-8"?>
+<p:notes xmlns:a="http://schemas.openxmlformats.org/drawingml/2006/main" xmlns:r="http://schemas.openxmlformats.org/officeDocument/2006/relationships" xmlns:p="http://schemas.openxmlformats.org/presentationml/2006/main">
+  <p:cSld>
+    <p:spTree>
+      <p:nvGrpSpPr>
+        <p:cNvPr id="1" name=""/>
+        <p:cNvGrpSpPr/>
+        <p:nvPr/>
+      </p:nvGrpSpPr>
+      <p:grpSpPr>
+        <a:xfrm>
+          <a:off x="0" y="0"/>
+          <a:ext cx="0" cy="0"/>
+          <a:chOff x="0" y="0"/>
+          <a:chExt cx="0" cy="0"/>
+        </a:xfrm>
+      </p:grpSpPr>
+      <p:sp>
+        <p:nvSpPr>
+          <p:cNvPr id="2" name="スライド イメージ プレースホルダー 1"/>
+          <p:cNvSpPr>
+            <a:spLocks noGrp="1" noRot="1" noChangeAspect="1"/>
+          </p:cNvSpPr>
+          <p:nvPr>
+            <p:ph type="sldImg"/>
+          </p:nvPr>
+        </p:nvSpPr>
+        <p:spPr/>
+      </p:sp>
+      <p:sp>
+        <p:nvSpPr>
+          <p:cNvPr id="3" name="ノート プレースホルダー 2"/>
+          <p:cNvSpPr>
+            <a:spLocks noGrp="1"/>
+          </p:cNvSpPr>
+          <p:nvPr>
+            <p:ph type="body" idx="1"/>
+          </p:nvPr>
+        </p:nvSpPr>
+        <p:spPr/>
+        <p:txBody>
+          <a:bodyPr/>
+          <a:lstStyle/>
+          <a:p>
+            <a:endParaRPr kumimoji="1" lang="ja-JP" altLang="en-US" dirty="0"/>
+          </a:p>
+        </p:txBody>
+      </p:sp>
+      <p:sp>
+        <p:nvSpPr>
+          <p:cNvPr id="4" name="スライド番号プレースホルダー 3"/>
+          <p:cNvSpPr>
+            <a:spLocks noGrp="1"/>
+          </p:cNvSpPr>
+          <p:nvPr>
+            <p:ph type="sldNum" sz="quarter" idx="10"/>
+          </p:nvPr>
+        </p:nvSpPr>
+        <p:spPr/>
+        <p:txBody>
+          <a:bodyPr/>
+          <a:lstStyle/>
+          <a:p>
+            <a:fld id="{49AFE191-E0F3-4B38-91DC-77A7019A04CC}" type="slidenum">
+              <a:rPr kumimoji="1" lang="ja-JP" altLang="en-US" smtClean="0"/>
+              <a:t>2</a:t>
+            </a:fld>
+            <a:endParaRPr kumimoji="1" lang="ja-JP" altLang="en-US"/>
+          </a:p>
+        </p:txBody>
+      </p:sp>
+    </p:spTree>
+    <p:extLst>
+      <p:ext uri="{BB962C8B-B14F-4D97-AF65-F5344CB8AC3E}">
+        <p14:creationId xmlns:p14="http://schemas.microsoft.com/office/powerpoint/2010/main" val="1631123387"/>
+      </p:ext>
+    </p:extLst>
+  </p:cSld>
+  <p:clrMapOvr>
+    <a:masterClrMapping/>
+  </p:clrMapOvr>
+</p:notes>
+</file>
+
 <file path=ppt/slideLayouts/slideLayout1.xml><?xml version="1.0" encoding="utf-8"?>
 <p:sldLayout xmlns:a="http://schemas.openxmlformats.org/drawingml/2006/main" xmlns:r="http://schemas.openxmlformats.org/officeDocument/2006/relationships" xmlns:p="http://schemas.openxmlformats.org/presentationml/2006/main" type="title" preserve="1">
   <p:cSld name="タイトル スライド">
@@ -723,7 +808,7 @@
           <a:p>
             <a:fld id="{75B2BC88-B852-45FB-B15F-171171FE8B42}" type="datetimeFigureOut">
               <a:rPr kumimoji="1" lang="ja-JP" altLang="en-US" smtClean="0"/>
-              <a:t>2018/9/3</a:t>
+              <a:t>2018/9/7</a:t>
             </a:fld>
             <a:endParaRPr kumimoji="1" lang="ja-JP" altLang="en-US"/>
           </a:p>
@@ -925,7 +1010,7 @@
           <a:p>
             <a:fld id="{75B2BC88-B852-45FB-B15F-171171FE8B42}" type="datetimeFigureOut">
               <a:rPr kumimoji="1" lang="ja-JP" altLang="en-US" smtClean="0"/>
-              <a:t>2018/9/3</a:t>
+              <a:t>2018/9/7</a:t>
             </a:fld>
             <a:endParaRPr kumimoji="1" lang="ja-JP" altLang="en-US"/>
           </a:p>
@@ -1137,7 +1222,7 @@
           <a:p>
             <a:fld id="{75B2BC88-B852-45FB-B15F-171171FE8B42}" type="datetimeFigureOut">
               <a:rPr kumimoji="1" lang="ja-JP" altLang="en-US" smtClean="0"/>
-              <a:t>2018/9/3</a:t>
+              <a:t>2018/9/7</a:t>
             </a:fld>
             <a:endParaRPr kumimoji="1" lang="ja-JP" altLang="en-US"/>
           </a:p>
@@ -1339,7 +1424,7 @@
           <a:p>
             <a:fld id="{75B2BC88-B852-45FB-B15F-171171FE8B42}" type="datetimeFigureOut">
               <a:rPr kumimoji="1" lang="ja-JP" altLang="en-US" smtClean="0"/>
-              <a:t>2018/9/3</a:t>
+              <a:t>2018/9/7</a:t>
             </a:fld>
             <a:endParaRPr kumimoji="1" lang="ja-JP" altLang="en-US"/>
           </a:p>
@@ -1583,7 +1668,7 @@
           <a:p>
             <a:fld id="{75B2BC88-B852-45FB-B15F-171171FE8B42}" type="datetimeFigureOut">
               <a:rPr kumimoji="1" lang="ja-JP" altLang="en-US" smtClean="0"/>
-              <a:t>2018/9/3</a:t>
+              <a:t>2018/9/7</a:t>
             </a:fld>
             <a:endParaRPr kumimoji="1" lang="ja-JP" altLang="en-US"/>
           </a:p>
@@ -1879,7 +1964,7 @@
           <a:p>
             <a:fld id="{75B2BC88-B852-45FB-B15F-171171FE8B42}" type="datetimeFigureOut">
               <a:rPr kumimoji="1" lang="ja-JP" altLang="en-US" smtClean="0"/>
-              <a:t>2018/9/3</a:t>
+              <a:t>2018/9/7</a:t>
             </a:fld>
             <a:endParaRPr kumimoji="1" lang="ja-JP" altLang="en-US"/>
           </a:p>
@@ -2310,7 +2395,7 @@
           <a:p>
             <a:fld id="{75B2BC88-B852-45FB-B15F-171171FE8B42}" type="datetimeFigureOut">
               <a:rPr kumimoji="1" lang="ja-JP" altLang="en-US" smtClean="0"/>
-              <a:t>2018/9/3</a:t>
+              <a:t>2018/9/7</a:t>
             </a:fld>
             <a:endParaRPr kumimoji="1" lang="ja-JP" altLang="en-US"/>
           </a:p>
@@ -2428,7 +2513,7 @@
           <a:p>
             <a:fld id="{75B2BC88-B852-45FB-B15F-171171FE8B42}" type="datetimeFigureOut">
               <a:rPr kumimoji="1" lang="ja-JP" altLang="en-US" smtClean="0"/>
-              <a:t>2018/9/3</a:t>
+              <a:t>2018/9/7</a:t>
             </a:fld>
             <a:endParaRPr kumimoji="1" lang="ja-JP" altLang="en-US"/>
           </a:p>
@@ -2523,7 +2608,7 @@
           <a:p>
             <a:fld id="{75B2BC88-B852-45FB-B15F-171171FE8B42}" type="datetimeFigureOut">
               <a:rPr kumimoji="1" lang="ja-JP" altLang="en-US" smtClean="0"/>
-              <a:t>2018/9/3</a:t>
+              <a:t>2018/9/7</a:t>
             </a:fld>
             <a:endParaRPr kumimoji="1" lang="ja-JP" altLang="en-US"/>
           </a:p>
@@ -2832,7 +2917,7 @@
           <a:p>
             <a:fld id="{75B2BC88-B852-45FB-B15F-171171FE8B42}" type="datetimeFigureOut">
               <a:rPr kumimoji="1" lang="ja-JP" altLang="en-US" smtClean="0"/>
-              <a:t>2018/9/3</a:t>
+              <a:t>2018/9/7</a:t>
             </a:fld>
             <a:endParaRPr kumimoji="1" lang="ja-JP" altLang="en-US"/>
           </a:p>
@@ -3089,7 +3174,7 @@
           <a:p>
             <a:fld id="{75B2BC88-B852-45FB-B15F-171171FE8B42}" type="datetimeFigureOut">
               <a:rPr kumimoji="1" lang="ja-JP" altLang="en-US" smtClean="0"/>
-              <a:t>2018/9/3</a:t>
+              <a:t>2018/9/7</a:t>
             </a:fld>
             <a:endParaRPr kumimoji="1" lang="ja-JP" altLang="en-US"/>
           </a:p>
@@ -3334,7 +3419,7 @@
           <a:p>
             <a:fld id="{75B2BC88-B852-45FB-B15F-171171FE8B42}" type="datetimeFigureOut">
               <a:rPr kumimoji="1" lang="ja-JP" altLang="en-US" smtClean="0"/>
-              <a:t>2018/9/3</a:t>
+              <a:t>2018/9/7</a:t>
             </a:fld>
             <a:endParaRPr kumimoji="1" lang="ja-JP" altLang="en-US"/>
           </a:p>
@@ -3739,6 +3824,66 @@
           <a:chExt cx="0" cy="0"/>
         </a:xfrm>
       </p:grpSpPr>
+      <p:pic>
+        <p:nvPicPr>
+          <p:cNvPr id="32" name="図 31"/>
+          <p:cNvPicPr>
+            <a:picLocks noChangeAspect="1"/>
+          </p:cNvPicPr>
+          <p:nvPr/>
+        </p:nvPicPr>
+        <p:blipFill>
+          <a:blip r:embed="rId3">
+            <a:extLst>
+              <a:ext uri="{28A0092B-C50C-407E-A947-70E740481C1C}">
+                <a14:useLocalDpi xmlns:a14="http://schemas.microsoft.com/office/drawing/2010/main" val="0"/>
+              </a:ext>
+            </a:extLst>
+          </a:blip>
+          <a:stretch>
+            <a:fillRect/>
+          </a:stretch>
+        </p:blipFill>
+        <p:spPr>
+          <a:xfrm>
+            <a:off x="3523415" y="1856865"/>
+            <a:ext cx="3254455" cy="2796798"/>
+          </a:xfrm>
+          <a:prstGeom prst="rect">
+            <a:avLst/>
+          </a:prstGeom>
+        </p:spPr>
+      </p:pic>
+      <p:pic>
+        <p:nvPicPr>
+          <p:cNvPr id="6" name="図 5"/>
+          <p:cNvPicPr>
+            <a:picLocks noChangeAspect="1"/>
+          </p:cNvPicPr>
+          <p:nvPr/>
+        </p:nvPicPr>
+        <p:blipFill>
+          <a:blip r:embed="rId4">
+            <a:extLst>
+              <a:ext uri="{28A0092B-C50C-407E-A947-70E740481C1C}">
+                <a14:useLocalDpi xmlns:a14="http://schemas.microsoft.com/office/drawing/2010/main" val="0"/>
+              </a:ext>
+            </a:extLst>
+          </a:blip>
+          <a:stretch>
+            <a:fillRect/>
+          </a:stretch>
+        </p:blipFill>
+        <p:spPr>
+          <a:xfrm>
+            <a:off x="94415" y="1858024"/>
+            <a:ext cx="3254455" cy="2796799"/>
+          </a:xfrm>
+          <a:prstGeom prst="rect">
+            <a:avLst/>
+          </a:prstGeom>
+        </p:spPr>
+      </p:pic>
       <p:sp>
         <p:nvSpPr>
           <p:cNvPr id="13" name="正方形/長方形 12"/>
@@ -3748,7 +3893,7 @@
         <p:spPr>
           <a:xfrm>
             <a:off x="66674" y="1652002"/>
-            <a:ext cx="3309939" cy="1928783"/>
+            <a:ext cx="3309939" cy="1975118"/>
           </a:xfrm>
           <a:prstGeom prst="rect">
             <a:avLst/>
@@ -3785,6 +3930,233 @@
           </a:p>
         </p:txBody>
       </p:sp>
+      <p:pic>
+        <p:nvPicPr>
+          <p:cNvPr id="4" name="図 3"/>
+          <p:cNvPicPr>
+            <a:picLocks noChangeAspect="1"/>
+          </p:cNvPicPr>
+          <p:nvPr/>
+        </p:nvPicPr>
+        <p:blipFill>
+          <a:blip r:embed="rId5" cstate="print">
+            <a:extLst>
+              <a:ext uri="{28A0092B-C50C-407E-A947-70E740481C1C}">
+                <a14:useLocalDpi xmlns:a14="http://schemas.microsoft.com/office/drawing/2010/main" val="0"/>
+              </a:ext>
+            </a:extLst>
+          </a:blip>
+          <a:stretch>
+            <a:fillRect/>
+          </a:stretch>
+        </p:blipFill>
+        <p:spPr>
+          <a:xfrm>
+            <a:off x="836032" y="80276"/>
+            <a:ext cx="1820065" cy="1439194"/>
+          </a:xfrm>
+          <a:prstGeom prst="rect">
+            <a:avLst/>
+          </a:prstGeom>
+        </p:spPr>
+      </p:pic>
+      <p:sp>
+        <p:nvSpPr>
+          <p:cNvPr id="5" name="テキスト ボックス 4"/>
+          <p:cNvSpPr txBox="1"/>
+          <p:nvPr/>
+        </p:nvSpPr>
+        <p:spPr>
+          <a:xfrm>
+            <a:off x="3436143" y="350715"/>
+            <a:ext cx="2695641" cy="584775"/>
+          </a:xfrm>
+          <a:prstGeom prst="rect">
+            <a:avLst/>
+          </a:prstGeom>
+          <a:noFill/>
+        </p:spPr>
+        <p:txBody>
+          <a:bodyPr wrap="square" numCol="1" rtlCol="0">
+            <a:spAutoFit/>
+          </a:bodyPr>
+          <a:lstStyle/>
+          <a:p>
+            <a:r>
+              <a:rPr kumimoji="1" lang="ja-JP" altLang="en-US" sz="3200" dirty="0" smtClean="0">
+                <a:latin typeface="M+ 1m medium" panose="020B0609020204020204" pitchFamily="49" charset="-128"/>
+                <a:ea typeface="M+ 1m medium" panose="020B0609020204020204" pitchFamily="49" charset="-128"/>
+              </a:rPr>
+              <a:t>操作説明など</a:t>
+            </a:r>
+            <a:endParaRPr kumimoji="1" lang="ja-JP" altLang="en-US" sz="3200" dirty="0">
+              <a:latin typeface="M+ 1m medium" panose="020B0609020204020204" pitchFamily="49" charset="-128"/>
+              <a:ea typeface="M+ 1m medium" panose="020B0609020204020204" pitchFamily="49" charset="-128"/>
+            </a:endParaRPr>
+          </a:p>
+        </p:txBody>
+      </p:sp>
+      <p:sp>
+        <p:nvSpPr>
+          <p:cNvPr id="8" name="テキスト ボックス 7"/>
+          <p:cNvSpPr txBox="1"/>
+          <p:nvPr/>
+        </p:nvSpPr>
+        <p:spPr>
+          <a:xfrm>
+            <a:off x="123825" y="1519470"/>
+            <a:ext cx="1823022" cy="338554"/>
+          </a:xfrm>
+          <a:prstGeom prst="rect">
+            <a:avLst/>
+          </a:prstGeom>
+          <a:solidFill>
+            <a:schemeClr val="bg1"/>
+          </a:solidFill>
+        </p:spPr>
+        <p:txBody>
+          <a:bodyPr wrap="square" numCol="1" rtlCol="0">
+            <a:spAutoFit/>
+          </a:bodyPr>
+          <a:lstStyle/>
+          <a:p>
+            <a:pPr algn="ctr"/>
+            <a:r>
+              <a:rPr kumimoji="1" lang="ja-JP" altLang="en-US" sz="1600" dirty="0" smtClean="0">
+                <a:latin typeface="M+ 1m medium" panose="020B0609020204020204" pitchFamily="49" charset="-128"/>
+                <a:ea typeface="M+ 1m medium" panose="020B0609020204020204" pitchFamily="49" charset="-128"/>
+              </a:rPr>
+              <a:t>メニューでの操作</a:t>
+            </a:r>
+            <a:endParaRPr kumimoji="1" lang="ja-JP" altLang="en-US" sz="1600" dirty="0">
+              <a:latin typeface="M+ 1m medium" panose="020B0609020204020204" pitchFamily="49" charset="-128"/>
+              <a:ea typeface="M+ 1m medium" panose="020B0609020204020204" pitchFamily="49" charset="-128"/>
+            </a:endParaRPr>
+          </a:p>
+        </p:txBody>
+      </p:sp>
+      <p:sp>
+        <p:nvSpPr>
+          <p:cNvPr id="14" name="正方形/長方形 13"/>
+          <p:cNvSpPr/>
+          <p:nvPr/>
+        </p:nvSpPr>
+        <p:spPr>
+          <a:xfrm>
+            <a:off x="3495674" y="1652002"/>
+            <a:ext cx="3309939" cy="3124786"/>
+          </a:xfrm>
+          <a:prstGeom prst="rect">
+            <a:avLst/>
+          </a:prstGeom>
+          <a:noFill/>
+          <a:ln w="38100">
+            <a:solidFill>
+              <a:schemeClr val="accent2"/>
+            </a:solidFill>
+          </a:ln>
+        </p:spPr>
+        <p:style>
+          <a:lnRef idx="2">
+            <a:schemeClr val="accent1">
+              <a:shade val="50000"/>
+            </a:schemeClr>
+          </a:lnRef>
+          <a:fillRef idx="1">
+            <a:schemeClr val="accent1"/>
+          </a:fillRef>
+          <a:effectRef idx="0">
+            <a:schemeClr val="accent1"/>
+          </a:effectRef>
+          <a:fontRef idx="minor">
+            <a:schemeClr val="lt1"/>
+          </a:fontRef>
+        </p:style>
+        <p:txBody>
+          <a:bodyPr rtlCol="0" anchor="ctr"/>
+          <a:lstStyle/>
+          <a:p>
+            <a:pPr algn="ctr"/>
+            <a:endParaRPr kumimoji="1" lang="ja-JP" altLang="en-US"/>
+          </a:p>
+        </p:txBody>
+      </p:sp>
+      <p:sp>
+        <p:nvSpPr>
+          <p:cNvPr id="16" name="テキスト ボックス 15"/>
+          <p:cNvSpPr txBox="1"/>
+          <p:nvPr/>
+        </p:nvSpPr>
+        <p:spPr>
+          <a:xfrm>
+            <a:off x="3552825" y="1519470"/>
+            <a:ext cx="1823022" cy="338554"/>
+          </a:xfrm>
+          <a:prstGeom prst="rect">
+            <a:avLst/>
+          </a:prstGeom>
+          <a:solidFill>
+            <a:schemeClr val="bg1"/>
+          </a:solidFill>
+        </p:spPr>
+        <p:txBody>
+          <a:bodyPr wrap="square" numCol="1" rtlCol="0">
+            <a:spAutoFit/>
+          </a:bodyPr>
+          <a:lstStyle/>
+          <a:p>
+            <a:pPr algn="ctr"/>
+            <a:r>
+              <a:rPr kumimoji="1" lang="ja-JP" altLang="en-US" sz="1600" dirty="0" smtClean="0">
+                <a:latin typeface="M+ 1m medium" panose="020B0609020204020204" pitchFamily="49" charset="-128"/>
+                <a:ea typeface="M+ 1m medium" panose="020B0609020204020204" pitchFamily="49" charset="-128"/>
+              </a:rPr>
+              <a:t>ゲームでの操作</a:t>
+            </a:r>
+            <a:endParaRPr kumimoji="1" lang="ja-JP" altLang="en-US" sz="1600" dirty="0">
+              <a:latin typeface="M+ 1m medium" panose="020B0609020204020204" pitchFamily="49" charset="-128"/>
+              <a:ea typeface="M+ 1m medium" panose="020B0609020204020204" pitchFamily="49" charset="-128"/>
+            </a:endParaRPr>
+          </a:p>
+        </p:txBody>
+      </p:sp>
+    </p:spTree>
+    <p:extLst>
+      <p:ext uri="{BB962C8B-B14F-4D97-AF65-F5344CB8AC3E}">
+        <p14:creationId xmlns:p14="http://schemas.microsoft.com/office/powerpoint/2010/main" val="4134288102"/>
+      </p:ext>
+    </p:extLst>
+  </p:cSld>
+  <p:clrMapOvr>
+    <a:masterClrMapping/>
+  </p:clrMapOvr>
+  <p:timing>
+    <p:tnLst>
+      <p:par>
+        <p:cTn id="1" dur="indefinite" restart="never" nodeType="tmRoot"/>
+      </p:par>
+    </p:tnLst>
+  </p:timing>
+</p:sld>
+</file>
+
+<file path=ppt/slides/slide2.xml><?xml version="1.0" encoding="utf-8"?>
+<p:sld xmlns:a="http://schemas.openxmlformats.org/drawingml/2006/main" xmlns:r="http://schemas.openxmlformats.org/officeDocument/2006/relationships" xmlns:p="http://schemas.openxmlformats.org/presentationml/2006/main">
+  <p:cSld>
+    <p:spTree>
+      <p:nvGrpSpPr>
+        <p:cNvPr id="1" name=""/>
+        <p:cNvGrpSpPr/>
+        <p:nvPr/>
+      </p:nvGrpSpPr>
+      <p:grpSpPr>
+        <a:xfrm>
+          <a:off x="0" y="0"/>
+          <a:ext cx="0" cy="0"/>
+          <a:chOff x="0" y="0"/>
+          <a:chExt cx="0" cy="0"/>
+        </a:xfrm>
+      </p:grpSpPr>
       <p:pic>
         <p:nvPicPr>
           <p:cNvPr id="4" name="図 3"/>
@@ -3851,9 +4223,94 @@
           </a:p>
         </p:txBody>
       </p:sp>
+      <p:sp>
+        <p:nvSpPr>
+          <p:cNvPr id="17" name="正方形/長方形 16"/>
+          <p:cNvSpPr/>
+          <p:nvPr/>
+        </p:nvSpPr>
+        <p:spPr>
+          <a:xfrm>
+            <a:off x="66674" y="1652002"/>
+            <a:ext cx="6738939" cy="3143364"/>
+          </a:xfrm>
+          <a:prstGeom prst="rect">
+            <a:avLst/>
+          </a:prstGeom>
+          <a:noFill/>
+          <a:ln w="38100">
+            <a:solidFill>
+              <a:schemeClr val="accent2"/>
+            </a:solidFill>
+          </a:ln>
+        </p:spPr>
+        <p:style>
+          <a:lnRef idx="2">
+            <a:schemeClr val="accent1">
+              <a:shade val="50000"/>
+            </a:schemeClr>
+          </a:lnRef>
+          <a:fillRef idx="1">
+            <a:schemeClr val="accent1"/>
+          </a:fillRef>
+          <a:effectRef idx="0">
+            <a:schemeClr val="accent1"/>
+          </a:effectRef>
+          <a:fontRef idx="minor">
+            <a:schemeClr val="lt1"/>
+          </a:fontRef>
+        </p:style>
+        <p:txBody>
+          <a:bodyPr rtlCol="0" anchor="ctr"/>
+          <a:lstStyle/>
+          <a:p>
+            <a:pPr algn="ctr"/>
+            <a:endParaRPr kumimoji="1" lang="ja-JP" altLang="en-US"/>
+          </a:p>
+        </p:txBody>
+      </p:sp>
+      <p:sp>
+        <p:nvSpPr>
+          <p:cNvPr id="19" name="テキスト ボックス 18"/>
+          <p:cNvSpPr txBox="1"/>
+          <p:nvPr/>
+        </p:nvSpPr>
+        <p:spPr>
+          <a:xfrm>
+            <a:off x="123825" y="1519470"/>
+            <a:ext cx="1823022" cy="338554"/>
+          </a:xfrm>
+          <a:prstGeom prst="rect">
+            <a:avLst/>
+          </a:prstGeom>
+          <a:solidFill>
+            <a:schemeClr val="bg1"/>
+          </a:solidFill>
+        </p:spPr>
+        <p:txBody>
+          <a:bodyPr wrap="square" numCol="1" rtlCol="0">
+            <a:spAutoFit/>
+          </a:bodyPr>
+          <a:lstStyle/>
+          <a:p>
+            <a:pPr algn="ctr"/>
+            <a:r>
+              <a:rPr kumimoji="1" lang="ja-JP" altLang="en-US" sz="1600" dirty="0" smtClean="0">
+                <a:latin typeface="M+ 1m medium" panose="020B0609020204020204" pitchFamily="49" charset="-128"/>
+                <a:ea typeface="M+ 1m medium" panose="020B0609020204020204" pitchFamily="49" charset="-128"/>
+              </a:rPr>
+              <a:t>敵の倒し方</a:t>
+            </a:r>
+            <a:endParaRPr kumimoji="1" lang="ja-JP" altLang="en-US" sz="1600" dirty="0">
+              <a:latin typeface="M+ 1m medium" panose="020B0609020204020204" pitchFamily="49" charset="-128"/>
+              <a:ea typeface="M+ 1m medium" panose="020B0609020204020204" pitchFamily="49" charset="-128"/>
+            </a:endParaRPr>
+          </a:p>
+        </p:txBody>
+      </p:sp>
       <p:pic>
         <p:nvPicPr>
-          <p:cNvPr id="6" name="図 5"/>
+          <p:cNvPr id="20" name="図 19"/>
           <p:cNvPicPr>
             <a:picLocks noChangeAspect="1"/>
           </p:cNvPicPr>
@@ -3873,8 +4330,8 @@
         </p:blipFill>
         <p:spPr>
           <a:xfrm>
-            <a:off x="90294" y="1858651"/>
-            <a:ext cx="3254455" cy="1671717"/>
+            <a:off x="213918" y="2196578"/>
+            <a:ext cx="3064294" cy="1538132"/>
           </a:xfrm>
           <a:prstGeom prst="rect">
             <a:avLst/>
@@ -3883,53 +4340,14 @@
       </p:pic>
       <p:sp>
         <p:nvSpPr>
-          <p:cNvPr id="8" name="テキスト ボックス 7"/>
-          <p:cNvSpPr txBox="1"/>
-          <p:nvPr/>
-        </p:nvSpPr>
-        <p:spPr>
-          <a:xfrm>
-            <a:off x="123825" y="1519470"/>
-            <a:ext cx="1823022" cy="338554"/>
-          </a:xfrm>
-          <a:prstGeom prst="rect">
-            <a:avLst/>
-          </a:prstGeom>
-          <a:solidFill>
-            <a:schemeClr val="bg1"/>
-          </a:solidFill>
-        </p:spPr>
-        <p:txBody>
-          <a:bodyPr wrap="square" numCol="1" rtlCol="0">
-            <a:spAutoFit/>
-          </a:bodyPr>
-          <a:lstStyle/>
-          <a:p>
-            <a:pPr algn="ctr"/>
-            <a:r>
-              <a:rPr kumimoji="1" lang="ja-JP" altLang="en-US" sz="1600" dirty="0" smtClean="0">
-                <a:latin typeface="M+ 1m medium" panose="020B0609020204020204" pitchFamily="49" charset="-128"/>
-                <a:ea typeface="M+ 1m medium" panose="020B0609020204020204" pitchFamily="49" charset="-128"/>
-              </a:rPr>
-              <a:t>メニューでの操作</a:t>
-            </a:r>
-            <a:endParaRPr kumimoji="1" lang="ja-JP" altLang="en-US" sz="1600" dirty="0">
-              <a:latin typeface="M+ 1m medium" panose="020B0609020204020204" pitchFamily="49" charset="-128"/>
-              <a:ea typeface="M+ 1m medium" panose="020B0609020204020204" pitchFamily="49" charset="-128"/>
-            </a:endParaRPr>
-          </a:p>
-        </p:txBody>
-      </p:sp>
-      <p:sp>
-        <p:nvSpPr>
-          <p:cNvPr id="14" name="正方形/長方形 13"/>
+          <p:cNvPr id="21" name="正方形/長方形 20"/>
           <p:cNvSpPr/>
           <p:nvPr/>
         </p:nvSpPr>
         <p:spPr>
           <a:xfrm>
-            <a:off x="3495674" y="1652002"/>
-            <a:ext cx="3309939" cy="1928783"/>
+            <a:off x="153871" y="1990556"/>
+            <a:ext cx="3190878" cy="2568763"/>
           </a:xfrm>
           <a:prstGeom prst="rect">
             <a:avLst/>
@@ -3937,7 +4355,7 @@
           <a:noFill/>
           <a:ln w="38100">
             <a:solidFill>
-              <a:schemeClr val="accent2"/>
+              <a:schemeClr val="accent4"/>
             </a:solidFill>
           </a:ln>
         </p:spPr>
@@ -3966,9 +4384,124 @@
           </a:p>
         </p:txBody>
       </p:sp>
+      <p:sp>
+        <p:nvSpPr>
+          <p:cNvPr id="23" name="テキスト ボックス 22"/>
+          <p:cNvSpPr txBox="1"/>
+          <p:nvPr/>
+        </p:nvSpPr>
+        <p:spPr>
+          <a:xfrm>
+            <a:off x="211021" y="1858025"/>
+            <a:ext cx="1823022" cy="338554"/>
+          </a:xfrm>
+          <a:prstGeom prst="rect">
+            <a:avLst/>
+          </a:prstGeom>
+          <a:solidFill>
+            <a:schemeClr val="bg1"/>
+          </a:solidFill>
+        </p:spPr>
+        <p:txBody>
+          <a:bodyPr wrap="square" numCol="1" rtlCol="0">
+            <a:spAutoFit/>
+          </a:bodyPr>
+          <a:lstStyle/>
+          <a:p>
+            <a:pPr algn="ctr"/>
+            <a:r>
+              <a:rPr kumimoji="1" lang="ja-JP" altLang="en-US" sz="1600" dirty="0" smtClean="0">
+                <a:latin typeface="M+ 1m medium" panose="020B0609020204020204" pitchFamily="49" charset="-128"/>
+                <a:ea typeface="M+ 1m medium" panose="020B0609020204020204" pitchFamily="49" charset="-128"/>
+              </a:rPr>
+              <a:t>ヨーヨーを使う</a:t>
+            </a:r>
+            <a:endParaRPr kumimoji="1" lang="ja-JP" altLang="en-US" sz="1600" dirty="0">
+              <a:latin typeface="M+ 1m medium" panose="020B0609020204020204" pitchFamily="49" charset="-128"/>
+              <a:ea typeface="M+ 1m medium" panose="020B0609020204020204" pitchFamily="49" charset="-128"/>
+            </a:endParaRPr>
+          </a:p>
+        </p:txBody>
+      </p:sp>
+      <p:sp>
+        <p:nvSpPr>
+          <p:cNvPr id="24" name="テキスト ボックス 23"/>
+          <p:cNvSpPr txBox="1"/>
+          <p:nvPr/>
+        </p:nvSpPr>
+        <p:spPr>
+          <a:xfrm>
+            <a:off x="211021" y="3728322"/>
+            <a:ext cx="3070088" cy="830997"/>
+          </a:xfrm>
+          <a:prstGeom prst="rect">
+            <a:avLst/>
+          </a:prstGeom>
+          <a:noFill/>
+        </p:spPr>
+        <p:txBody>
+          <a:bodyPr wrap="square" rtlCol="0">
+            <a:spAutoFit/>
+          </a:bodyPr>
+          <a:lstStyle/>
+          <a:p>
+            <a:r>
+              <a:rPr kumimoji="1" lang="ja-JP" altLang="en-US" sz="1600" dirty="0" smtClean="0">
+                <a:latin typeface="M+ 1mn light" panose="020B0409020204020204" pitchFamily="49" charset="-128"/>
+                <a:ea typeface="M+ 1mn light" panose="020B0409020204020204" pitchFamily="49" charset="-128"/>
+              </a:rPr>
+              <a:t>ヨーヨーを敵に当てると、</a:t>
+            </a:r>
+            <a:endParaRPr kumimoji="1" lang="en-US" altLang="ja-JP" sz="1600" dirty="0" smtClean="0">
+              <a:latin typeface="M+ 1mn light" panose="020B0409020204020204" pitchFamily="49" charset="-128"/>
+              <a:ea typeface="M+ 1mn light" panose="020B0409020204020204" pitchFamily="49" charset="-128"/>
+            </a:endParaRPr>
+          </a:p>
+          <a:p>
+            <a:r>
+              <a:rPr lang="ja-JP" altLang="en-US" sz="1600" dirty="0">
+                <a:latin typeface="M+ 1mn light" panose="020B0409020204020204" pitchFamily="49" charset="-128"/>
+                <a:ea typeface="M+ 1mn light" panose="020B0409020204020204" pitchFamily="49" charset="-128"/>
+              </a:rPr>
+              <a:t>敵</a:t>
+            </a:r>
+            <a:r>
+              <a:rPr lang="ja-JP" altLang="en-US" sz="1600" dirty="0" smtClean="0">
+                <a:latin typeface="M+ 1mn light" panose="020B0409020204020204" pitchFamily="49" charset="-128"/>
+                <a:ea typeface="M+ 1mn light" panose="020B0409020204020204" pitchFamily="49" charset="-128"/>
+              </a:rPr>
+              <a:t>は倒れ、ダイヤモンドが</a:t>
+            </a:r>
+            <a:endParaRPr lang="en-US" altLang="ja-JP" sz="1600" dirty="0" smtClean="0">
+              <a:latin typeface="M+ 1mn light" panose="020B0409020204020204" pitchFamily="49" charset="-128"/>
+              <a:ea typeface="M+ 1mn light" panose="020B0409020204020204" pitchFamily="49" charset="-128"/>
+            </a:endParaRPr>
+          </a:p>
+          <a:p>
+            <a:r>
+              <a:rPr kumimoji="1" lang="ja-JP" altLang="en-US" sz="1600" dirty="0">
+                <a:latin typeface="M+ 1mn light" panose="020B0409020204020204" pitchFamily="49" charset="-128"/>
+                <a:ea typeface="M+ 1mn light" panose="020B0409020204020204" pitchFamily="49" charset="-128"/>
+              </a:rPr>
+              <a:t>手</a:t>
+            </a:r>
+            <a:r>
+              <a:rPr kumimoji="1" lang="ja-JP" altLang="en-US" sz="1600" dirty="0" smtClean="0">
+                <a:latin typeface="M+ 1mn light" panose="020B0409020204020204" pitchFamily="49" charset="-128"/>
+                <a:ea typeface="M+ 1mn light" panose="020B0409020204020204" pitchFamily="49" charset="-128"/>
+              </a:rPr>
+              <a:t>に入ります。</a:t>
+            </a:r>
+            <a:endParaRPr kumimoji="1" lang="en-US" altLang="ja-JP" sz="1600" dirty="0" smtClean="0">
+              <a:latin typeface="M+ 1mn light" panose="020B0409020204020204" pitchFamily="49" charset="-128"/>
+              <a:ea typeface="M+ 1mn light" panose="020B0409020204020204" pitchFamily="49" charset="-128"/>
+            </a:endParaRPr>
+          </a:p>
+        </p:txBody>
+      </p:sp>
       <p:pic>
         <p:nvPicPr>
-          <p:cNvPr id="15" name="図 14"/>
+          <p:cNvPr id="28" name="図 27"/>
           <p:cNvPicPr>
             <a:picLocks noChangeAspect="1"/>
           </p:cNvPicPr>
@@ -3988,8 +4521,8 @@
         </p:blipFill>
         <p:spPr>
           <a:xfrm>
-            <a:off x="3519294" y="1858651"/>
-            <a:ext cx="3254455" cy="1671717"/>
+            <a:off x="3579341" y="2196578"/>
+            <a:ext cx="3064294" cy="1538132"/>
           </a:xfrm>
           <a:prstGeom prst="rect">
             <a:avLst/>
@@ -3998,53 +4531,14 @@
       </p:pic>
       <p:sp>
         <p:nvSpPr>
-          <p:cNvPr id="16" name="テキスト ボックス 15"/>
-          <p:cNvSpPr txBox="1"/>
-          <p:nvPr/>
-        </p:nvSpPr>
-        <p:spPr>
-          <a:xfrm>
-            <a:off x="3552825" y="1519470"/>
-            <a:ext cx="1823022" cy="338554"/>
-          </a:xfrm>
-          <a:prstGeom prst="rect">
-            <a:avLst/>
-          </a:prstGeom>
-          <a:solidFill>
-            <a:schemeClr val="bg1"/>
-          </a:solidFill>
-        </p:spPr>
-        <p:txBody>
-          <a:bodyPr wrap="square" numCol="1" rtlCol="0">
-            <a:spAutoFit/>
-          </a:bodyPr>
-          <a:lstStyle/>
-          <a:p>
-            <a:pPr algn="ctr"/>
-            <a:r>
-              <a:rPr kumimoji="1" lang="ja-JP" altLang="en-US" sz="1600" dirty="0" smtClean="0">
-                <a:latin typeface="M+ 1m medium" panose="020B0609020204020204" pitchFamily="49" charset="-128"/>
-                <a:ea typeface="M+ 1m medium" panose="020B0609020204020204" pitchFamily="49" charset="-128"/>
-              </a:rPr>
-              <a:t>ゲームでの操作</a:t>
-            </a:r>
-            <a:endParaRPr kumimoji="1" lang="ja-JP" altLang="en-US" sz="1600" dirty="0">
-              <a:latin typeface="M+ 1m medium" panose="020B0609020204020204" pitchFamily="49" charset="-128"/>
-              <a:ea typeface="M+ 1m medium" panose="020B0609020204020204" pitchFamily="49" charset="-128"/>
-            </a:endParaRPr>
-          </a:p>
-        </p:txBody>
-      </p:sp>
-      <p:sp>
-        <p:nvSpPr>
-          <p:cNvPr id="17" name="正方形/長方形 16"/>
+          <p:cNvPr id="29" name="正方形/長方形 28"/>
           <p:cNvSpPr/>
           <p:nvPr/>
         </p:nvSpPr>
         <p:spPr>
           <a:xfrm>
-            <a:off x="66674" y="3737018"/>
-            <a:ext cx="6738939" cy="2978784"/>
+            <a:off x="3519294" y="1990556"/>
+            <a:ext cx="3190878" cy="2568763"/>
           </a:xfrm>
           <a:prstGeom prst="rect">
             <a:avLst/>
@@ -4052,7 +4546,7 @@
           <a:noFill/>
           <a:ln w="38100">
             <a:solidFill>
-              <a:schemeClr val="accent2"/>
+              <a:schemeClr val="accent4"/>
             </a:solidFill>
           </a:ln>
         </p:spPr>
@@ -4083,14 +4577,14 @@
       </p:sp>
       <p:sp>
         <p:nvSpPr>
-          <p:cNvPr id="19" name="テキスト ボックス 18"/>
+          <p:cNvPr id="30" name="テキスト ボックス 29"/>
           <p:cNvSpPr txBox="1"/>
           <p:nvPr/>
         </p:nvSpPr>
         <p:spPr>
           <a:xfrm>
-            <a:off x="123825" y="3604486"/>
-            <a:ext cx="1823022" cy="338554"/>
+            <a:off x="3576444" y="1858025"/>
+            <a:ext cx="2252856" cy="338554"/>
           </a:xfrm>
           <a:prstGeom prst="rect">
             <a:avLst/>
@@ -4111,7 +4605,7 @@
                 <a:latin typeface="M+ 1m medium" panose="020B0609020204020204" pitchFamily="49" charset="-128"/>
                 <a:ea typeface="M+ 1m medium" panose="020B0609020204020204" pitchFamily="49" charset="-128"/>
               </a:rPr>
-              <a:t>敵の倒し方</a:t>
+              <a:t>オブジェクトを落とす</a:t>
             </a:r>
             <a:endParaRPr kumimoji="1" lang="ja-JP" altLang="en-US" sz="1600" dirty="0">
               <a:latin typeface="M+ 1m medium" panose="020B0609020204020204" pitchFamily="49" charset="-128"/>
@@ -4120,9 +4614,170 @@
           </a:p>
         </p:txBody>
       </p:sp>
+      <p:sp>
+        <p:nvSpPr>
+          <p:cNvPr id="31" name="テキスト ボックス 30"/>
+          <p:cNvSpPr txBox="1"/>
+          <p:nvPr/>
+        </p:nvSpPr>
+        <p:spPr>
+          <a:xfrm>
+            <a:off x="3576444" y="3728322"/>
+            <a:ext cx="3070088" cy="830997"/>
+          </a:xfrm>
+          <a:prstGeom prst="rect">
+            <a:avLst/>
+          </a:prstGeom>
+          <a:noFill/>
+        </p:spPr>
+        <p:txBody>
+          <a:bodyPr wrap="square" rtlCol="0">
+            <a:spAutoFit/>
+          </a:bodyPr>
+          <a:lstStyle/>
+          <a:p>
+            <a:r>
+              <a:rPr kumimoji="1" lang="ja-JP" altLang="en-US" sz="1600" dirty="0" smtClean="0">
+                <a:latin typeface="M+ 1mn light" panose="020B0409020204020204" pitchFamily="49" charset="-128"/>
+                <a:ea typeface="M+ 1mn light" panose="020B0409020204020204" pitchFamily="49" charset="-128"/>
+              </a:rPr>
+              <a:t>コンテナや、鉄骨にヨーヨー</a:t>
+            </a:r>
+            <a:r>
+              <a:rPr lang="ja-JP" altLang="en-US" sz="1600" dirty="0" smtClean="0">
+                <a:latin typeface="M+ 1mn light" panose="020B0409020204020204" pitchFamily="49" charset="-128"/>
+                <a:ea typeface="M+ 1mn light" panose="020B0409020204020204" pitchFamily="49" charset="-128"/>
+              </a:rPr>
+              <a:t>を</a:t>
+            </a:r>
+            <a:r>
+              <a:rPr lang="en-US" altLang="ja-JP" sz="1600" dirty="0" smtClean="0">
+                <a:latin typeface="M+ 1mn light" panose="020B0409020204020204" pitchFamily="49" charset="-128"/>
+                <a:ea typeface="M+ 1mn light" panose="020B0409020204020204" pitchFamily="49" charset="-128"/>
+              </a:rPr>
+              <a:t/>
+            </a:r>
+            <a:br>
+              <a:rPr lang="en-US" altLang="ja-JP" sz="1600" dirty="0" smtClean="0">
+                <a:latin typeface="M+ 1mn light" panose="020B0409020204020204" pitchFamily="49" charset="-128"/>
+                <a:ea typeface="M+ 1mn light" panose="020B0409020204020204" pitchFamily="49" charset="-128"/>
+              </a:rPr>
+            </a:br>
+            <a:r>
+              <a:rPr lang="ja-JP" altLang="en-US" sz="1600" dirty="0" smtClean="0">
+                <a:latin typeface="M+ 1mn light" panose="020B0409020204020204" pitchFamily="49" charset="-128"/>
+                <a:ea typeface="M+ 1mn light" panose="020B0409020204020204" pitchFamily="49" charset="-128"/>
+              </a:rPr>
+              <a:t>当てると落下し、下に居る敵に</a:t>
+            </a:r>
+            <a:endParaRPr lang="en-US" altLang="ja-JP" sz="1600" dirty="0" smtClean="0">
+              <a:latin typeface="M+ 1mn light" panose="020B0409020204020204" pitchFamily="49" charset="-128"/>
+              <a:ea typeface="M+ 1mn light" panose="020B0409020204020204" pitchFamily="49" charset="-128"/>
+            </a:endParaRPr>
+          </a:p>
+          <a:p>
+            <a:r>
+              <a:rPr kumimoji="1" lang="ja-JP" altLang="en-US" sz="1600" dirty="0" smtClean="0">
+                <a:latin typeface="M+ 1mn light" panose="020B0409020204020204" pitchFamily="49" charset="-128"/>
+                <a:ea typeface="M+ 1mn light" panose="020B0409020204020204" pitchFamily="49" charset="-128"/>
+              </a:rPr>
+              <a:t>当てて倒す事ができます。</a:t>
+            </a:r>
+            <a:endParaRPr kumimoji="1" lang="en-US" altLang="ja-JP" sz="1600" dirty="0" smtClean="0">
+              <a:latin typeface="M+ 1mn light" panose="020B0409020204020204" pitchFamily="49" charset="-128"/>
+              <a:ea typeface="M+ 1mn light" panose="020B0409020204020204" pitchFamily="49" charset="-128"/>
+            </a:endParaRPr>
+          </a:p>
+        </p:txBody>
+      </p:sp>
+      <p:sp>
+        <p:nvSpPr>
+          <p:cNvPr id="81" name="正方形/長方形 80"/>
+          <p:cNvSpPr/>
+          <p:nvPr/>
+        </p:nvSpPr>
+        <p:spPr>
+          <a:xfrm>
+            <a:off x="66674" y="5752508"/>
+            <a:ext cx="6738939" cy="3101932"/>
+          </a:xfrm>
+          <a:prstGeom prst="rect">
+            <a:avLst/>
+          </a:prstGeom>
+          <a:noFill/>
+          <a:ln w="38100">
+            <a:solidFill>
+              <a:schemeClr val="accent2"/>
+            </a:solidFill>
+          </a:ln>
+        </p:spPr>
+        <p:style>
+          <a:lnRef idx="2">
+            <a:schemeClr val="accent1">
+              <a:shade val="50000"/>
+            </a:schemeClr>
+          </a:lnRef>
+          <a:fillRef idx="1">
+            <a:schemeClr val="accent1"/>
+          </a:fillRef>
+          <a:effectRef idx="0">
+            <a:schemeClr val="accent1"/>
+          </a:effectRef>
+          <a:fontRef idx="minor">
+            <a:schemeClr val="lt1"/>
+          </a:fontRef>
+        </p:style>
+        <p:txBody>
+          <a:bodyPr rtlCol="0" anchor="ctr"/>
+          <a:lstStyle/>
+          <a:p>
+            <a:pPr algn="ctr"/>
+            <a:endParaRPr kumimoji="1" lang="ja-JP" altLang="en-US"/>
+          </a:p>
+        </p:txBody>
+      </p:sp>
+      <p:sp>
+        <p:nvSpPr>
+          <p:cNvPr id="82" name="テキスト ボックス 81"/>
+          <p:cNvSpPr txBox="1"/>
+          <p:nvPr/>
+        </p:nvSpPr>
+        <p:spPr>
+          <a:xfrm>
+            <a:off x="123825" y="5619976"/>
+            <a:ext cx="1823022" cy="338554"/>
+          </a:xfrm>
+          <a:prstGeom prst="rect">
+            <a:avLst/>
+          </a:prstGeom>
+          <a:solidFill>
+            <a:schemeClr val="bg1"/>
+          </a:solidFill>
+        </p:spPr>
+        <p:txBody>
+          <a:bodyPr wrap="square" numCol="1" rtlCol="0">
+            <a:spAutoFit/>
+          </a:bodyPr>
+          <a:lstStyle/>
+          <a:p>
+            <a:pPr algn="ctr"/>
+            <a:r>
+              <a:rPr kumimoji="1" lang="ja-JP" altLang="en-US" sz="1600" dirty="0" smtClean="0">
+                <a:latin typeface="M+ 1m medium" panose="020B0609020204020204" pitchFamily="49" charset="-128"/>
+                <a:ea typeface="M+ 1m medium" panose="020B0609020204020204" pitchFamily="49" charset="-128"/>
+              </a:rPr>
+              <a:t>ボスについて</a:t>
+            </a:r>
+            <a:endParaRPr kumimoji="1" lang="ja-JP" altLang="en-US" sz="1600" dirty="0">
+              <a:latin typeface="M+ 1m medium" panose="020B0609020204020204" pitchFamily="49" charset="-128"/>
+              <a:ea typeface="M+ 1m medium" panose="020B0609020204020204" pitchFamily="49" charset="-128"/>
+            </a:endParaRPr>
+          </a:p>
+        </p:txBody>
+      </p:sp>
       <p:pic>
         <p:nvPicPr>
-          <p:cNvPr id="20" name="図 19"/>
+          <p:cNvPr id="83" name="図 82"/>
           <p:cNvPicPr>
             <a:picLocks noChangeAspect="1"/>
           </p:cNvPicPr>
@@ -4142,7 +4797,7 @@
         </p:blipFill>
         <p:spPr>
           <a:xfrm>
-            <a:off x="213918" y="4281594"/>
+            <a:off x="213917" y="6297084"/>
             <a:ext cx="3064294" cy="1538132"/>
           </a:xfrm>
           <a:prstGeom prst="rect">
@@ -4152,13 +4807,13 @@
       </p:pic>
       <p:sp>
         <p:nvSpPr>
-          <p:cNvPr id="21" name="正方形/長方形 20"/>
+          <p:cNvPr id="84" name="正方形/長方形 83"/>
           <p:cNvSpPr/>
           <p:nvPr/>
         </p:nvSpPr>
         <p:spPr>
           <a:xfrm>
-            <a:off x="153871" y="4075572"/>
+            <a:off x="153871" y="6091062"/>
             <a:ext cx="3190878" cy="2568763"/>
           </a:xfrm>
           <a:prstGeom prst="rect">
@@ -4198,14 +4853,14 @@
       </p:sp>
       <p:sp>
         <p:nvSpPr>
-          <p:cNvPr id="23" name="テキスト ボックス 22"/>
+          <p:cNvPr id="85" name="テキスト ボックス 84"/>
           <p:cNvSpPr txBox="1"/>
           <p:nvPr/>
         </p:nvSpPr>
         <p:spPr>
           <a:xfrm>
-            <a:off x="211021" y="3943041"/>
-            <a:ext cx="1823022" cy="338554"/>
+            <a:off x="211021" y="5958531"/>
+            <a:ext cx="2217854" cy="338554"/>
           </a:xfrm>
           <a:prstGeom prst="rect">
             <a:avLst/>
@@ -4226,7 +4881,7 @@
                 <a:latin typeface="M+ 1m medium" panose="020B0609020204020204" pitchFamily="49" charset="-128"/>
                 <a:ea typeface="M+ 1m medium" panose="020B0609020204020204" pitchFamily="49" charset="-128"/>
               </a:rPr>
-              <a:t>ヨーヨーを使う</a:t>
+              <a:t>正面の攻撃は防がれる</a:t>
             </a:r>
             <a:endParaRPr kumimoji="1" lang="ja-JP" altLang="en-US" sz="1600" dirty="0">
               <a:latin typeface="M+ 1m medium" panose="020B0609020204020204" pitchFamily="49" charset="-128"/>
@@ -4237,13 +4892,13 @@
       </p:sp>
       <p:sp>
         <p:nvSpPr>
-          <p:cNvPr id="24" name="テキスト ボックス 23"/>
+          <p:cNvPr id="86" name="テキスト ボックス 85"/>
           <p:cNvSpPr txBox="1"/>
           <p:nvPr/>
         </p:nvSpPr>
         <p:spPr>
           <a:xfrm>
-            <a:off x="211021" y="5813338"/>
+            <a:off x="211021" y="7828828"/>
             <a:ext cx="3070088" cy="830997"/>
           </a:xfrm>
           <a:prstGeom prst="rect">
@@ -4258,62 +4913,35 @@
           <a:lstStyle/>
           <a:p>
             <a:r>
+              <a:rPr lang="ja-JP" altLang="en-US" sz="1600" dirty="0" smtClean="0">
+                <a:latin typeface="M+ 1mn light" panose="020B0409020204020204" pitchFamily="49" charset="-128"/>
+                <a:ea typeface="M+ 1mn light" panose="020B0409020204020204" pitchFamily="49" charset="-128"/>
+              </a:rPr>
+              <a:t>正面の攻撃は、防がれてしまいます。素早く後ろに回ったり、</a:t>
+            </a:r>
+            <a:endParaRPr lang="en-US" altLang="ja-JP" sz="1600" dirty="0" smtClean="0">
+              <a:latin typeface="M+ 1mn light" panose="020B0409020204020204" pitchFamily="49" charset="-128"/>
+              <a:ea typeface="M+ 1mn light" panose="020B0409020204020204" pitchFamily="49" charset="-128"/>
+            </a:endParaRPr>
+          </a:p>
+          <a:p>
+            <a:r>
               <a:rPr kumimoji="1" lang="ja-JP" altLang="en-US" sz="1600" dirty="0" smtClean="0">
                 <a:latin typeface="M+ 1mn light" panose="020B0409020204020204" pitchFamily="49" charset="-128"/>
                 <a:ea typeface="M+ 1mn light" panose="020B0409020204020204" pitchFamily="49" charset="-128"/>
               </a:rPr>
-              <a:t>ヨーヨーを敵に当てると、</a:t>
+              <a:t>スキを付いて攻撃しましょう。</a:t>
             </a:r>
             <a:endParaRPr kumimoji="1" lang="en-US" altLang="ja-JP" sz="1600" dirty="0" smtClean="0">
               <a:latin typeface="M+ 1mn light" panose="020B0409020204020204" pitchFamily="49" charset="-128"/>
               <a:ea typeface="M+ 1mn light" panose="020B0409020204020204" pitchFamily="49" charset="-128"/>
             </a:endParaRPr>
           </a:p>
-          <a:p>
-            <a:r>
-              <a:rPr lang="ja-JP" altLang="en-US" sz="1600" dirty="0">
-                <a:latin typeface="M+ 1mn light" panose="020B0409020204020204" pitchFamily="49" charset="-128"/>
-                <a:ea typeface="M+ 1mn light" panose="020B0409020204020204" pitchFamily="49" charset="-128"/>
-              </a:rPr>
-              <a:t>敵</a:t>
-            </a:r>
-            <a:r>
-              <a:rPr lang="ja-JP" altLang="en-US" sz="1600" dirty="0" smtClean="0">
-                <a:latin typeface="M+ 1mn light" panose="020B0409020204020204" pitchFamily="49" charset="-128"/>
-                <a:ea typeface="M+ 1mn light" panose="020B0409020204020204" pitchFamily="49" charset="-128"/>
-              </a:rPr>
-              <a:t>は倒れ、ダイヤモンドが</a:t>
-            </a:r>
-            <a:endParaRPr lang="en-US" altLang="ja-JP" sz="1600" dirty="0" smtClean="0">
-              <a:latin typeface="M+ 1mn light" panose="020B0409020204020204" pitchFamily="49" charset="-128"/>
-              <a:ea typeface="M+ 1mn light" panose="020B0409020204020204" pitchFamily="49" charset="-128"/>
-            </a:endParaRPr>
-          </a:p>
-          <a:p>
-            <a:r>
-              <a:rPr kumimoji="1" lang="ja-JP" altLang="en-US" sz="1600" dirty="0">
-                <a:latin typeface="M+ 1mn light" panose="020B0409020204020204" pitchFamily="49" charset="-128"/>
-                <a:ea typeface="M+ 1mn light" panose="020B0409020204020204" pitchFamily="49" charset="-128"/>
-              </a:rPr>
-              <a:t>手</a:t>
-            </a:r>
-            <a:r>
-              <a:rPr kumimoji="1" lang="ja-JP" altLang="en-US" sz="1600" dirty="0" smtClean="0">
-                <a:latin typeface="M+ 1mn light" panose="020B0409020204020204" pitchFamily="49" charset="-128"/>
-                <a:ea typeface="M+ 1mn light" panose="020B0409020204020204" pitchFamily="49" charset="-128"/>
-              </a:rPr>
-              <a:t>に入ります。</a:t>
-            </a:r>
-            <a:endParaRPr kumimoji="1" lang="en-US" altLang="ja-JP" sz="1600" dirty="0" smtClean="0">
-              <a:latin typeface="M+ 1mn light" panose="020B0409020204020204" pitchFamily="49" charset="-128"/>
-              <a:ea typeface="M+ 1mn light" panose="020B0409020204020204" pitchFamily="49" charset="-128"/>
-            </a:endParaRPr>
-          </a:p>
         </p:txBody>
       </p:sp>
       <p:pic>
         <p:nvPicPr>
-          <p:cNvPr id="28" name="図 27"/>
+          <p:cNvPr id="87" name="図 86"/>
           <p:cNvPicPr>
             <a:picLocks noChangeAspect="1"/>
           </p:cNvPicPr>
@@ -4333,8 +4961,8 @@
         </p:blipFill>
         <p:spPr>
           <a:xfrm>
-            <a:off x="3579341" y="4281594"/>
-            <a:ext cx="3064294" cy="1538132"/>
+            <a:off x="3579342" y="6297084"/>
+            <a:ext cx="3064292" cy="1538131"/>
           </a:xfrm>
           <a:prstGeom prst="rect">
             <a:avLst/>
@@ -4343,13 +4971,13 @@
       </p:pic>
       <p:sp>
         <p:nvSpPr>
-          <p:cNvPr id="29" name="正方形/長方形 28"/>
+          <p:cNvPr id="88" name="正方形/長方形 87"/>
           <p:cNvSpPr/>
           <p:nvPr/>
         </p:nvSpPr>
         <p:spPr>
           <a:xfrm>
-            <a:off x="3519294" y="4075572"/>
+            <a:off x="3519294" y="6091062"/>
             <a:ext cx="3190878" cy="2568763"/>
           </a:xfrm>
           <a:prstGeom prst="rect">
@@ -4389,14 +5017,14 @@
       </p:sp>
       <p:sp>
         <p:nvSpPr>
-          <p:cNvPr id="30" name="テキスト ボックス 29"/>
+          <p:cNvPr id="89" name="テキスト ボックス 88"/>
           <p:cNvSpPr txBox="1"/>
           <p:nvPr/>
         </p:nvSpPr>
         <p:spPr>
           <a:xfrm>
-            <a:off x="3576444" y="3943041"/>
-            <a:ext cx="2252856" cy="338554"/>
+            <a:off x="3576444" y="5958531"/>
+            <a:ext cx="2419544" cy="338554"/>
           </a:xfrm>
           <a:prstGeom prst="rect">
             <a:avLst/>
@@ -4417,7 +5045,7 @@
                 <a:latin typeface="M+ 1m medium" panose="020B0609020204020204" pitchFamily="49" charset="-128"/>
                 <a:ea typeface="M+ 1m medium" panose="020B0609020204020204" pitchFamily="49" charset="-128"/>
               </a:rPr>
-              <a:t>オブジェクトを落とす</a:t>
+              <a:t>オブジェクトでも倒せる</a:t>
             </a:r>
             <a:endParaRPr kumimoji="1" lang="ja-JP" altLang="en-US" sz="1600" dirty="0">
               <a:latin typeface="M+ 1m medium" panose="020B0609020204020204" pitchFamily="49" charset="-128"/>
@@ -4428,453 +5056,13 @@
       </p:sp>
       <p:sp>
         <p:nvSpPr>
-          <p:cNvPr id="31" name="テキスト ボックス 30"/>
-          <p:cNvSpPr txBox="1"/>
-          <p:nvPr/>
-        </p:nvSpPr>
-        <p:spPr>
-          <a:xfrm>
-            <a:off x="3576444" y="5813338"/>
-            <a:ext cx="3070088" cy="830997"/>
-          </a:xfrm>
-          <a:prstGeom prst="rect">
-            <a:avLst/>
-          </a:prstGeom>
-          <a:noFill/>
-        </p:spPr>
-        <p:txBody>
-          <a:bodyPr wrap="square" rtlCol="0">
-            <a:spAutoFit/>
-          </a:bodyPr>
-          <a:lstStyle/>
-          <a:p>
-            <a:r>
-              <a:rPr kumimoji="1" lang="ja-JP" altLang="en-US" sz="1600" dirty="0" smtClean="0">
-                <a:latin typeface="M+ 1mn light" panose="020B0409020204020204" pitchFamily="49" charset="-128"/>
-                <a:ea typeface="M+ 1mn light" panose="020B0409020204020204" pitchFamily="49" charset="-128"/>
-              </a:rPr>
-              <a:t>コンテナや、鉄骨にヨーヨー</a:t>
-            </a:r>
-            <a:r>
-              <a:rPr lang="ja-JP" altLang="en-US" sz="1600" dirty="0" smtClean="0">
-                <a:latin typeface="M+ 1mn light" panose="020B0409020204020204" pitchFamily="49" charset="-128"/>
-                <a:ea typeface="M+ 1mn light" panose="020B0409020204020204" pitchFamily="49" charset="-128"/>
-              </a:rPr>
-              <a:t>を</a:t>
-            </a:r>
-            <a:r>
-              <a:rPr lang="en-US" altLang="ja-JP" sz="1600" dirty="0" smtClean="0">
-                <a:latin typeface="M+ 1mn light" panose="020B0409020204020204" pitchFamily="49" charset="-128"/>
-                <a:ea typeface="M+ 1mn light" panose="020B0409020204020204" pitchFamily="49" charset="-128"/>
-              </a:rPr>
-              <a:t/>
-            </a:r>
-            <a:br>
-              <a:rPr lang="en-US" altLang="ja-JP" sz="1600" dirty="0" smtClean="0">
-                <a:latin typeface="M+ 1mn light" panose="020B0409020204020204" pitchFamily="49" charset="-128"/>
-                <a:ea typeface="M+ 1mn light" panose="020B0409020204020204" pitchFamily="49" charset="-128"/>
-              </a:rPr>
-            </a:br>
-            <a:r>
-              <a:rPr lang="ja-JP" altLang="en-US" sz="1600" dirty="0" smtClean="0">
-                <a:latin typeface="M+ 1mn light" panose="020B0409020204020204" pitchFamily="49" charset="-128"/>
-                <a:ea typeface="M+ 1mn light" panose="020B0409020204020204" pitchFamily="49" charset="-128"/>
-              </a:rPr>
-              <a:t>当てると落下し、下に居る敵に</a:t>
-            </a:r>
-            <a:endParaRPr lang="en-US" altLang="ja-JP" sz="1600" dirty="0" smtClean="0">
-              <a:latin typeface="M+ 1mn light" panose="020B0409020204020204" pitchFamily="49" charset="-128"/>
-              <a:ea typeface="M+ 1mn light" panose="020B0409020204020204" pitchFamily="49" charset="-128"/>
-            </a:endParaRPr>
-          </a:p>
-          <a:p>
-            <a:r>
-              <a:rPr kumimoji="1" lang="ja-JP" altLang="en-US" sz="1600" dirty="0" smtClean="0">
-                <a:latin typeface="M+ 1mn light" panose="020B0409020204020204" pitchFamily="49" charset="-128"/>
-                <a:ea typeface="M+ 1mn light" panose="020B0409020204020204" pitchFamily="49" charset="-128"/>
-              </a:rPr>
-              <a:t>当てて倒す事ができます。</a:t>
-            </a:r>
-            <a:endParaRPr kumimoji="1" lang="en-US" altLang="ja-JP" sz="1600" dirty="0" smtClean="0">
-              <a:latin typeface="M+ 1mn light" panose="020B0409020204020204" pitchFamily="49" charset="-128"/>
-              <a:ea typeface="M+ 1mn light" panose="020B0409020204020204" pitchFamily="49" charset="-128"/>
-            </a:endParaRPr>
-          </a:p>
-        </p:txBody>
-      </p:sp>
-      <p:sp>
-        <p:nvSpPr>
-          <p:cNvPr id="81" name="正方形/長方形 80"/>
-          <p:cNvSpPr/>
-          <p:nvPr/>
-        </p:nvSpPr>
-        <p:spPr>
-          <a:xfrm>
-            <a:off x="66674" y="6872035"/>
-            <a:ext cx="6738939" cy="2978784"/>
-          </a:xfrm>
-          <a:prstGeom prst="rect">
-            <a:avLst/>
-          </a:prstGeom>
-          <a:noFill/>
-          <a:ln w="38100">
-            <a:solidFill>
-              <a:schemeClr val="accent2"/>
-            </a:solidFill>
-          </a:ln>
-        </p:spPr>
-        <p:style>
-          <a:lnRef idx="2">
-            <a:schemeClr val="accent1">
-              <a:shade val="50000"/>
-            </a:schemeClr>
-          </a:lnRef>
-          <a:fillRef idx="1">
-            <a:schemeClr val="accent1"/>
-          </a:fillRef>
-          <a:effectRef idx="0">
-            <a:schemeClr val="accent1"/>
-          </a:effectRef>
-          <a:fontRef idx="minor">
-            <a:schemeClr val="lt1"/>
-          </a:fontRef>
-        </p:style>
-        <p:txBody>
-          <a:bodyPr rtlCol="0" anchor="ctr"/>
-          <a:lstStyle/>
-          <a:p>
-            <a:pPr algn="ctr"/>
-            <a:endParaRPr kumimoji="1" lang="ja-JP" altLang="en-US"/>
-          </a:p>
-        </p:txBody>
-      </p:sp>
-      <p:sp>
-        <p:nvSpPr>
-          <p:cNvPr id="82" name="テキスト ボックス 81"/>
-          <p:cNvSpPr txBox="1"/>
-          <p:nvPr/>
-        </p:nvSpPr>
-        <p:spPr>
-          <a:xfrm>
-            <a:off x="123825" y="6739503"/>
-            <a:ext cx="1823022" cy="338554"/>
-          </a:xfrm>
-          <a:prstGeom prst="rect">
-            <a:avLst/>
-          </a:prstGeom>
-          <a:solidFill>
-            <a:schemeClr val="bg1"/>
-          </a:solidFill>
-        </p:spPr>
-        <p:txBody>
-          <a:bodyPr wrap="square" numCol="1" rtlCol="0">
-            <a:spAutoFit/>
-          </a:bodyPr>
-          <a:lstStyle/>
-          <a:p>
-            <a:pPr algn="ctr"/>
-            <a:r>
-              <a:rPr kumimoji="1" lang="ja-JP" altLang="en-US" sz="1600" dirty="0" smtClean="0">
-                <a:latin typeface="M+ 1m medium" panose="020B0609020204020204" pitchFamily="49" charset="-128"/>
-                <a:ea typeface="M+ 1m medium" panose="020B0609020204020204" pitchFamily="49" charset="-128"/>
-              </a:rPr>
-              <a:t>ボスについて</a:t>
-            </a:r>
-            <a:endParaRPr kumimoji="1" lang="ja-JP" altLang="en-US" sz="1600" dirty="0">
-              <a:latin typeface="M+ 1m medium" panose="020B0609020204020204" pitchFamily="49" charset="-128"/>
-              <a:ea typeface="M+ 1m medium" panose="020B0609020204020204" pitchFamily="49" charset="-128"/>
-            </a:endParaRPr>
-          </a:p>
-        </p:txBody>
-      </p:sp>
-      <p:pic>
-        <p:nvPicPr>
-          <p:cNvPr id="83" name="図 82"/>
-          <p:cNvPicPr>
-            <a:picLocks noChangeAspect="1"/>
-          </p:cNvPicPr>
-          <p:nvPr/>
-        </p:nvPicPr>
-        <p:blipFill>
-          <a:blip r:embed="rId8">
-            <a:extLst>
-              <a:ext uri="{28A0092B-C50C-407E-A947-70E740481C1C}">
-                <a14:useLocalDpi xmlns:a14="http://schemas.microsoft.com/office/drawing/2010/main" val="0"/>
-              </a:ext>
-            </a:extLst>
-          </a:blip>
-          <a:stretch>
-            <a:fillRect/>
-          </a:stretch>
-        </p:blipFill>
-        <p:spPr>
-          <a:xfrm>
-            <a:off x="213917" y="7416611"/>
-            <a:ext cx="3064294" cy="1538132"/>
-          </a:xfrm>
-          <a:prstGeom prst="rect">
-            <a:avLst/>
-          </a:prstGeom>
-        </p:spPr>
-      </p:pic>
-      <p:sp>
-        <p:nvSpPr>
-          <p:cNvPr id="84" name="正方形/長方形 83"/>
-          <p:cNvSpPr/>
-          <p:nvPr/>
-        </p:nvSpPr>
-        <p:spPr>
-          <a:xfrm>
-            <a:off x="153871" y="7210589"/>
-            <a:ext cx="3190878" cy="2568763"/>
-          </a:xfrm>
-          <a:prstGeom prst="rect">
-            <a:avLst/>
-          </a:prstGeom>
-          <a:noFill/>
-          <a:ln w="38100">
-            <a:solidFill>
-              <a:schemeClr val="accent4"/>
-            </a:solidFill>
-          </a:ln>
-        </p:spPr>
-        <p:style>
-          <a:lnRef idx="2">
-            <a:schemeClr val="accent1">
-              <a:shade val="50000"/>
-            </a:schemeClr>
-          </a:lnRef>
-          <a:fillRef idx="1">
-            <a:schemeClr val="accent1"/>
-          </a:fillRef>
-          <a:effectRef idx="0">
-            <a:schemeClr val="accent1"/>
-          </a:effectRef>
-          <a:fontRef idx="minor">
-            <a:schemeClr val="lt1"/>
-          </a:fontRef>
-        </p:style>
-        <p:txBody>
-          <a:bodyPr rtlCol="0" anchor="ctr"/>
-          <a:lstStyle/>
-          <a:p>
-            <a:pPr algn="ctr"/>
-            <a:endParaRPr kumimoji="1" lang="ja-JP" altLang="en-US"/>
-          </a:p>
-        </p:txBody>
-      </p:sp>
-      <p:sp>
-        <p:nvSpPr>
-          <p:cNvPr id="85" name="テキスト ボックス 84"/>
-          <p:cNvSpPr txBox="1"/>
-          <p:nvPr/>
-        </p:nvSpPr>
-        <p:spPr>
-          <a:xfrm>
-            <a:off x="211021" y="7078058"/>
-            <a:ext cx="2217854" cy="338554"/>
-          </a:xfrm>
-          <a:prstGeom prst="rect">
-            <a:avLst/>
-          </a:prstGeom>
-          <a:solidFill>
-            <a:schemeClr val="bg1"/>
-          </a:solidFill>
-        </p:spPr>
-        <p:txBody>
-          <a:bodyPr wrap="square" numCol="1" rtlCol="0">
-            <a:spAutoFit/>
-          </a:bodyPr>
-          <a:lstStyle/>
-          <a:p>
-            <a:pPr algn="ctr"/>
-            <a:r>
-              <a:rPr kumimoji="1" lang="ja-JP" altLang="en-US" sz="1600" dirty="0" smtClean="0">
-                <a:latin typeface="M+ 1m medium" panose="020B0609020204020204" pitchFamily="49" charset="-128"/>
-                <a:ea typeface="M+ 1m medium" panose="020B0609020204020204" pitchFamily="49" charset="-128"/>
-              </a:rPr>
-              <a:t>正面の攻撃は防がれる</a:t>
-            </a:r>
-            <a:endParaRPr kumimoji="1" lang="ja-JP" altLang="en-US" sz="1600" dirty="0">
-              <a:latin typeface="M+ 1m medium" panose="020B0609020204020204" pitchFamily="49" charset="-128"/>
-              <a:ea typeface="M+ 1m medium" panose="020B0609020204020204" pitchFamily="49" charset="-128"/>
-            </a:endParaRPr>
-          </a:p>
-        </p:txBody>
-      </p:sp>
-      <p:sp>
-        <p:nvSpPr>
-          <p:cNvPr id="86" name="テキスト ボックス 85"/>
-          <p:cNvSpPr txBox="1"/>
-          <p:nvPr/>
-        </p:nvSpPr>
-        <p:spPr>
-          <a:xfrm>
-            <a:off x="211021" y="8948355"/>
-            <a:ext cx="3070088" cy="830997"/>
-          </a:xfrm>
-          <a:prstGeom prst="rect">
-            <a:avLst/>
-          </a:prstGeom>
-          <a:noFill/>
-        </p:spPr>
-        <p:txBody>
-          <a:bodyPr wrap="square" rtlCol="0">
-            <a:spAutoFit/>
-          </a:bodyPr>
-          <a:lstStyle/>
-          <a:p>
-            <a:r>
-              <a:rPr lang="ja-JP" altLang="en-US" sz="1600" dirty="0" smtClean="0">
-                <a:latin typeface="M+ 1mn light" panose="020B0409020204020204" pitchFamily="49" charset="-128"/>
-                <a:ea typeface="M+ 1mn light" panose="020B0409020204020204" pitchFamily="49" charset="-128"/>
-              </a:rPr>
-              <a:t>正面の攻撃は、防がれてしまいます。素早く後ろに回ったり、</a:t>
-            </a:r>
-            <a:endParaRPr lang="en-US" altLang="ja-JP" sz="1600" dirty="0" smtClean="0">
-              <a:latin typeface="M+ 1mn light" panose="020B0409020204020204" pitchFamily="49" charset="-128"/>
-              <a:ea typeface="M+ 1mn light" panose="020B0409020204020204" pitchFamily="49" charset="-128"/>
-            </a:endParaRPr>
-          </a:p>
-          <a:p>
-            <a:r>
-              <a:rPr kumimoji="1" lang="ja-JP" altLang="en-US" sz="1600" dirty="0" smtClean="0">
-                <a:latin typeface="M+ 1mn light" panose="020B0409020204020204" pitchFamily="49" charset="-128"/>
-                <a:ea typeface="M+ 1mn light" panose="020B0409020204020204" pitchFamily="49" charset="-128"/>
-              </a:rPr>
-              <a:t>スキを付いて攻撃しましょう。</a:t>
-            </a:r>
-            <a:endParaRPr kumimoji="1" lang="en-US" altLang="ja-JP" sz="1600" dirty="0" smtClean="0">
-              <a:latin typeface="M+ 1mn light" panose="020B0409020204020204" pitchFamily="49" charset="-128"/>
-              <a:ea typeface="M+ 1mn light" panose="020B0409020204020204" pitchFamily="49" charset="-128"/>
-            </a:endParaRPr>
-          </a:p>
-        </p:txBody>
-      </p:sp>
-      <p:pic>
-        <p:nvPicPr>
-          <p:cNvPr id="87" name="図 86"/>
-          <p:cNvPicPr>
-            <a:picLocks noChangeAspect="1"/>
-          </p:cNvPicPr>
-          <p:nvPr/>
-        </p:nvPicPr>
-        <p:blipFill>
-          <a:blip r:embed="rId9">
-            <a:extLst>
-              <a:ext uri="{28A0092B-C50C-407E-A947-70E740481C1C}">
-                <a14:useLocalDpi xmlns:a14="http://schemas.microsoft.com/office/drawing/2010/main" val="0"/>
-              </a:ext>
-            </a:extLst>
-          </a:blip>
-          <a:stretch>
-            <a:fillRect/>
-          </a:stretch>
-        </p:blipFill>
-        <p:spPr>
-          <a:xfrm>
-            <a:off x="3579342" y="7416611"/>
-            <a:ext cx="3064292" cy="1538131"/>
-          </a:xfrm>
-          <a:prstGeom prst="rect">
-            <a:avLst/>
-          </a:prstGeom>
-        </p:spPr>
-      </p:pic>
-      <p:sp>
-        <p:nvSpPr>
-          <p:cNvPr id="88" name="正方形/長方形 87"/>
-          <p:cNvSpPr/>
-          <p:nvPr/>
-        </p:nvSpPr>
-        <p:spPr>
-          <a:xfrm>
-            <a:off x="3519294" y="7210589"/>
-            <a:ext cx="3190878" cy="2568763"/>
-          </a:xfrm>
-          <a:prstGeom prst="rect">
-            <a:avLst/>
-          </a:prstGeom>
-          <a:noFill/>
-          <a:ln w="38100">
-            <a:solidFill>
-              <a:schemeClr val="accent4"/>
-            </a:solidFill>
-          </a:ln>
-        </p:spPr>
-        <p:style>
-          <a:lnRef idx="2">
-            <a:schemeClr val="accent1">
-              <a:shade val="50000"/>
-            </a:schemeClr>
-          </a:lnRef>
-          <a:fillRef idx="1">
-            <a:schemeClr val="accent1"/>
-          </a:fillRef>
-          <a:effectRef idx="0">
-            <a:schemeClr val="accent1"/>
-          </a:effectRef>
-          <a:fontRef idx="minor">
-            <a:schemeClr val="lt1"/>
-          </a:fontRef>
-        </p:style>
-        <p:txBody>
-          <a:bodyPr rtlCol="0" anchor="ctr"/>
-          <a:lstStyle/>
-          <a:p>
-            <a:pPr algn="ctr"/>
-            <a:endParaRPr kumimoji="1" lang="ja-JP" altLang="en-US"/>
-          </a:p>
-        </p:txBody>
-      </p:sp>
-      <p:sp>
-        <p:nvSpPr>
-          <p:cNvPr id="89" name="テキスト ボックス 88"/>
-          <p:cNvSpPr txBox="1"/>
-          <p:nvPr/>
-        </p:nvSpPr>
-        <p:spPr>
-          <a:xfrm>
-            <a:off x="3576444" y="7078058"/>
-            <a:ext cx="2419544" cy="338554"/>
-          </a:xfrm>
-          <a:prstGeom prst="rect">
-            <a:avLst/>
-          </a:prstGeom>
-          <a:solidFill>
-            <a:schemeClr val="bg1"/>
-          </a:solidFill>
-        </p:spPr>
-        <p:txBody>
-          <a:bodyPr wrap="square" numCol="1" rtlCol="0">
-            <a:spAutoFit/>
-          </a:bodyPr>
-          <a:lstStyle/>
-          <a:p>
-            <a:pPr algn="ctr"/>
-            <a:r>
-              <a:rPr kumimoji="1" lang="ja-JP" altLang="en-US" sz="1600" dirty="0" smtClean="0">
-                <a:latin typeface="M+ 1m medium" panose="020B0609020204020204" pitchFamily="49" charset="-128"/>
-                <a:ea typeface="M+ 1m medium" panose="020B0609020204020204" pitchFamily="49" charset="-128"/>
-              </a:rPr>
-              <a:t>オブジェクトでも倒せる</a:t>
-            </a:r>
-            <a:endParaRPr kumimoji="1" lang="ja-JP" altLang="en-US" sz="1600" dirty="0">
-              <a:latin typeface="M+ 1m medium" panose="020B0609020204020204" pitchFamily="49" charset="-128"/>
-              <a:ea typeface="M+ 1m medium" panose="020B0609020204020204" pitchFamily="49" charset="-128"/>
-            </a:endParaRPr>
-          </a:p>
-        </p:txBody>
-      </p:sp>
-      <p:sp>
-        <p:nvSpPr>
           <p:cNvPr id="90" name="テキスト ボックス 89"/>
           <p:cNvSpPr txBox="1"/>
           <p:nvPr/>
         </p:nvSpPr>
         <p:spPr>
           <a:xfrm>
-            <a:off x="3576444" y="8948355"/>
+            <a:off x="3576444" y="7828828"/>
             <a:ext cx="3070088" cy="830997"/>
           </a:xfrm>
           <a:prstGeom prst="rect">
@@ -4919,7 +5107,7 @@
     </p:spTree>
     <p:extLst>
       <p:ext uri="{BB962C8B-B14F-4D97-AF65-F5344CB8AC3E}">
-        <p14:creationId xmlns:p14="http://schemas.microsoft.com/office/powerpoint/2010/main" val="4134288102"/>
+        <p14:creationId xmlns:p14="http://schemas.microsoft.com/office/powerpoint/2010/main" val="2415134475"/>
       </p:ext>
     </p:extLst>
   </p:cSld>

--- a/操作説明など/操作説明など.pptx
+++ b/操作説明など/操作説明など.pptx
@@ -209,7 +209,7 @@
           <a:p>
             <a:fld id="{7CBD0A75-57FE-44F5-B8CC-B802ECCAA8CB}" type="datetimeFigureOut">
               <a:rPr kumimoji="1" lang="ja-JP" altLang="en-US" smtClean="0"/>
-              <a:t>2018/9/7</a:t>
+              <a:t>2018/9/10</a:t>
             </a:fld>
             <a:endParaRPr kumimoji="1" lang="ja-JP" altLang="en-US"/>
           </a:p>
@@ -808,7 +808,7 @@
           <a:p>
             <a:fld id="{75B2BC88-B852-45FB-B15F-171171FE8B42}" type="datetimeFigureOut">
               <a:rPr kumimoji="1" lang="ja-JP" altLang="en-US" smtClean="0"/>
-              <a:t>2018/9/7</a:t>
+              <a:t>2018/9/10</a:t>
             </a:fld>
             <a:endParaRPr kumimoji="1" lang="ja-JP" altLang="en-US"/>
           </a:p>
@@ -1010,7 +1010,7 @@
           <a:p>
             <a:fld id="{75B2BC88-B852-45FB-B15F-171171FE8B42}" type="datetimeFigureOut">
               <a:rPr kumimoji="1" lang="ja-JP" altLang="en-US" smtClean="0"/>
-              <a:t>2018/9/7</a:t>
+              <a:t>2018/9/10</a:t>
             </a:fld>
             <a:endParaRPr kumimoji="1" lang="ja-JP" altLang="en-US"/>
           </a:p>
@@ -1222,7 +1222,7 @@
           <a:p>
             <a:fld id="{75B2BC88-B852-45FB-B15F-171171FE8B42}" type="datetimeFigureOut">
               <a:rPr kumimoji="1" lang="ja-JP" altLang="en-US" smtClean="0"/>
-              <a:t>2018/9/7</a:t>
+              <a:t>2018/9/10</a:t>
             </a:fld>
             <a:endParaRPr kumimoji="1" lang="ja-JP" altLang="en-US"/>
           </a:p>
@@ -1424,7 +1424,7 @@
           <a:p>
             <a:fld id="{75B2BC88-B852-45FB-B15F-171171FE8B42}" type="datetimeFigureOut">
               <a:rPr kumimoji="1" lang="ja-JP" altLang="en-US" smtClean="0"/>
-              <a:t>2018/9/7</a:t>
+              <a:t>2018/9/10</a:t>
             </a:fld>
             <a:endParaRPr kumimoji="1" lang="ja-JP" altLang="en-US"/>
           </a:p>
@@ -1668,7 +1668,7 @@
           <a:p>
             <a:fld id="{75B2BC88-B852-45FB-B15F-171171FE8B42}" type="datetimeFigureOut">
               <a:rPr kumimoji="1" lang="ja-JP" altLang="en-US" smtClean="0"/>
-              <a:t>2018/9/7</a:t>
+              <a:t>2018/9/10</a:t>
             </a:fld>
             <a:endParaRPr kumimoji="1" lang="ja-JP" altLang="en-US"/>
           </a:p>
@@ -1964,7 +1964,7 @@
           <a:p>
             <a:fld id="{75B2BC88-B852-45FB-B15F-171171FE8B42}" type="datetimeFigureOut">
               <a:rPr kumimoji="1" lang="ja-JP" altLang="en-US" smtClean="0"/>
-              <a:t>2018/9/7</a:t>
+              <a:t>2018/9/10</a:t>
             </a:fld>
             <a:endParaRPr kumimoji="1" lang="ja-JP" altLang="en-US"/>
           </a:p>
@@ -2395,7 +2395,7 @@
           <a:p>
             <a:fld id="{75B2BC88-B852-45FB-B15F-171171FE8B42}" type="datetimeFigureOut">
               <a:rPr kumimoji="1" lang="ja-JP" altLang="en-US" smtClean="0"/>
-              <a:t>2018/9/7</a:t>
+              <a:t>2018/9/10</a:t>
             </a:fld>
             <a:endParaRPr kumimoji="1" lang="ja-JP" altLang="en-US"/>
           </a:p>
@@ -2513,7 +2513,7 @@
           <a:p>
             <a:fld id="{75B2BC88-B852-45FB-B15F-171171FE8B42}" type="datetimeFigureOut">
               <a:rPr kumimoji="1" lang="ja-JP" altLang="en-US" smtClean="0"/>
-              <a:t>2018/9/7</a:t>
+              <a:t>2018/9/10</a:t>
             </a:fld>
             <a:endParaRPr kumimoji="1" lang="ja-JP" altLang="en-US"/>
           </a:p>
@@ -2608,7 +2608,7 @@
           <a:p>
             <a:fld id="{75B2BC88-B852-45FB-B15F-171171FE8B42}" type="datetimeFigureOut">
               <a:rPr kumimoji="1" lang="ja-JP" altLang="en-US" smtClean="0"/>
-              <a:t>2018/9/7</a:t>
+              <a:t>2018/9/10</a:t>
             </a:fld>
             <a:endParaRPr kumimoji="1" lang="ja-JP" altLang="en-US"/>
           </a:p>
@@ -2917,7 +2917,7 @@
           <a:p>
             <a:fld id="{75B2BC88-B852-45FB-B15F-171171FE8B42}" type="datetimeFigureOut">
               <a:rPr kumimoji="1" lang="ja-JP" altLang="en-US" smtClean="0"/>
-              <a:t>2018/9/7</a:t>
+              <a:t>2018/9/10</a:t>
             </a:fld>
             <a:endParaRPr kumimoji="1" lang="ja-JP" altLang="en-US"/>
           </a:p>
@@ -3174,7 +3174,7 @@
           <a:p>
             <a:fld id="{75B2BC88-B852-45FB-B15F-171171FE8B42}" type="datetimeFigureOut">
               <a:rPr kumimoji="1" lang="ja-JP" altLang="en-US" smtClean="0"/>
-              <a:t>2018/9/7</a:t>
+              <a:t>2018/9/10</a:t>
             </a:fld>
             <a:endParaRPr kumimoji="1" lang="ja-JP" altLang="en-US"/>
           </a:p>
@@ -3419,7 +3419,7 @@
           <a:p>
             <a:fld id="{75B2BC88-B852-45FB-B15F-171171FE8B42}" type="datetimeFigureOut">
               <a:rPr kumimoji="1" lang="ja-JP" altLang="en-US" smtClean="0"/>
-              <a:t>2018/9/7</a:t>
+              <a:t>2018/9/10</a:t>
             </a:fld>
             <a:endParaRPr kumimoji="1" lang="ja-JP" altLang="en-US"/>
           </a:p>
@@ -3826,7 +3826,7 @@
       </p:grpSpPr>
       <p:pic>
         <p:nvPicPr>
-          <p:cNvPr id="32" name="図 31"/>
+          <p:cNvPr id="6" name="図 5"/>
           <p:cNvPicPr>
             <a:picLocks noChangeAspect="1"/>
           </p:cNvPicPr>
@@ -3846,44 +3846,14 @@
         </p:blipFill>
         <p:spPr>
           <a:xfrm>
-            <a:off x="3523415" y="1856865"/>
-            <a:ext cx="3254455" cy="2796798"/>
+            <a:off x="815377" y="1858028"/>
+            <a:ext cx="5227245" cy="4492159"/>
           </a:xfrm>
           <a:prstGeom prst="rect">
             <a:avLst/>
           </a:prstGeom>
         </p:spPr>
       </p:pic>
-      <p:pic>
-        <p:nvPicPr>
-          <p:cNvPr id="6" name="図 5"/>
-          <p:cNvPicPr>
-            <a:picLocks noChangeAspect="1"/>
-          </p:cNvPicPr>
-          <p:nvPr/>
-        </p:nvPicPr>
-        <p:blipFill>
-          <a:blip r:embed="rId4">
-            <a:extLst>
-              <a:ext uri="{28A0092B-C50C-407E-A947-70E740481C1C}">
-                <a14:useLocalDpi xmlns:a14="http://schemas.microsoft.com/office/drawing/2010/main" val="0"/>
-              </a:ext>
-            </a:extLst>
-          </a:blip>
-          <a:stretch>
-            <a:fillRect/>
-          </a:stretch>
-        </p:blipFill>
-        <p:spPr>
-          <a:xfrm>
-            <a:off x="94415" y="1858024"/>
-            <a:ext cx="3254455" cy="2796799"/>
-          </a:xfrm>
-          <a:prstGeom prst="rect">
-            <a:avLst/>
-          </a:prstGeom>
-        </p:spPr>
-      </p:pic>
       <p:sp>
         <p:nvSpPr>
           <p:cNvPr id="13" name="正方形/長方形 12"/>
@@ -3892,8 +3862,8 @@
         </p:nvSpPr>
         <p:spPr>
           <a:xfrm>
-            <a:off x="66674" y="1652002"/>
-            <a:ext cx="3309939" cy="1975118"/>
+            <a:off x="66673" y="1652002"/>
+            <a:ext cx="6738939" cy="3250372"/>
           </a:xfrm>
           <a:prstGeom prst="rect">
             <a:avLst/>
@@ -3939,7 +3909,7 @@
           <p:nvPr/>
         </p:nvPicPr>
         <p:blipFill>
-          <a:blip r:embed="rId5" cstate="print">
+          <a:blip r:embed="rId4" cstate="print">
             <a:extLst>
               <a:ext uri="{28A0092B-C50C-407E-A947-70E740481C1C}">
                 <a14:useLocalDpi xmlns:a14="http://schemas.microsoft.com/office/drawing/2010/main" val="0"/>
@@ -3962,42 +3932,6 @@
       </p:pic>
       <p:sp>
         <p:nvSpPr>
-          <p:cNvPr id="5" name="テキスト ボックス 4"/>
-          <p:cNvSpPr txBox="1"/>
-          <p:nvPr/>
-        </p:nvSpPr>
-        <p:spPr>
-          <a:xfrm>
-            <a:off x="3436143" y="350715"/>
-            <a:ext cx="2695641" cy="584775"/>
-          </a:xfrm>
-          <a:prstGeom prst="rect">
-            <a:avLst/>
-          </a:prstGeom>
-          <a:noFill/>
-        </p:spPr>
-        <p:txBody>
-          <a:bodyPr wrap="square" numCol="1" rtlCol="0">
-            <a:spAutoFit/>
-          </a:bodyPr>
-          <a:lstStyle/>
-          <a:p>
-            <a:r>
-              <a:rPr kumimoji="1" lang="ja-JP" altLang="en-US" sz="3200" dirty="0" smtClean="0">
-                <a:latin typeface="M+ 1m medium" panose="020B0609020204020204" pitchFamily="49" charset="-128"/>
-                <a:ea typeface="M+ 1m medium" panose="020B0609020204020204" pitchFamily="49" charset="-128"/>
-              </a:rPr>
-              <a:t>操作説明など</a:t>
-            </a:r>
-            <a:endParaRPr kumimoji="1" lang="ja-JP" altLang="en-US" sz="3200" dirty="0">
-              <a:latin typeface="M+ 1m medium" panose="020B0609020204020204" pitchFamily="49" charset="-128"/>
-              <a:ea typeface="M+ 1m medium" panose="020B0609020204020204" pitchFamily="49" charset="-128"/>
-            </a:endParaRPr>
-          </a:p>
-        </p:txBody>
-      </p:sp>
-      <p:sp>
-        <p:nvSpPr>
           <p:cNvPr id="8" name="テキスト ボックス 7"/>
           <p:cNvSpPr txBox="1"/>
           <p:nvPr/>
@@ -4035,16 +3969,46 @@
           </a:p>
         </p:txBody>
       </p:sp>
-      <p:sp>
-        <p:nvSpPr>
-          <p:cNvPr id="14" name="正方形/長方形 13"/>
+      <p:pic>
+        <p:nvPicPr>
+          <p:cNvPr id="10" name="図 9"/>
+          <p:cNvPicPr>
+            <a:picLocks noChangeAspect="1"/>
+          </p:cNvPicPr>
+          <p:nvPr/>
+        </p:nvPicPr>
+        <p:blipFill>
+          <a:blip r:embed="rId5">
+            <a:extLst>
+              <a:ext uri="{28A0092B-C50C-407E-A947-70E740481C1C}">
+                <a14:useLocalDpi xmlns:a14="http://schemas.microsoft.com/office/drawing/2010/main" val="0"/>
+              </a:ext>
+            </a:extLst>
+          </a:blip>
+          <a:stretch>
+            <a:fillRect/>
+          </a:stretch>
+        </p:blipFill>
+        <p:spPr>
+          <a:xfrm>
+            <a:off x="815377" y="5300218"/>
+            <a:ext cx="5227245" cy="4492159"/>
+          </a:xfrm>
+          <a:prstGeom prst="rect">
+            <a:avLst/>
+          </a:prstGeom>
+        </p:spPr>
+      </p:pic>
+      <p:sp>
+        <p:nvSpPr>
+          <p:cNvPr id="11" name="正方形/長方形 10"/>
           <p:cNvSpPr/>
           <p:nvPr/>
         </p:nvSpPr>
         <p:spPr>
           <a:xfrm>
-            <a:off x="3495674" y="1652002"/>
-            <a:ext cx="3309939" cy="3124786"/>
+            <a:off x="66673" y="5094192"/>
+            <a:ext cx="6738939" cy="4768946"/>
           </a:xfrm>
           <a:prstGeom prst="rect">
             <a:avLst/>
@@ -4083,13 +4047,13 @@
       </p:sp>
       <p:sp>
         <p:nvSpPr>
-          <p:cNvPr id="16" name="テキスト ボックス 15"/>
+          <p:cNvPr id="12" name="テキスト ボックス 11"/>
           <p:cNvSpPr txBox="1"/>
           <p:nvPr/>
         </p:nvSpPr>
         <p:spPr>
           <a:xfrm>
-            <a:off x="3552825" y="1519470"/>
+            <a:off x="123825" y="4961661"/>
             <a:ext cx="1823022" cy="338554"/>
           </a:xfrm>
           <a:prstGeom prst="rect">
@@ -4107,13 +4071,57 @@
           <a:p>
             <a:pPr algn="ctr"/>
             <a:r>
+              <a:rPr lang="ja-JP" altLang="en-US" sz="1600" dirty="0">
+                <a:latin typeface="M+ 1m medium" panose="020B0609020204020204" pitchFamily="49" charset="-128"/>
+                <a:ea typeface="M+ 1m medium" panose="020B0609020204020204" pitchFamily="49" charset="-128"/>
+              </a:rPr>
+              <a:t>ゲーム</a:t>
+            </a:r>
+            <a:r>
               <a:rPr kumimoji="1" lang="ja-JP" altLang="en-US" sz="1600" dirty="0" smtClean="0">
                 <a:latin typeface="M+ 1m medium" panose="020B0609020204020204" pitchFamily="49" charset="-128"/>
                 <a:ea typeface="M+ 1m medium" panose="020B0609020204020204" pitchFamily="49" charset="-128"/>
               </a:rPr>
-              <a:t>ゲームでの操作</a:t>
+              <a:t>での操作</a:t>
             </a:r>
             <a:endParaRPr kumimoji="1" lang="ja-JP" altLang="en-US" sz="1600" dirty="0">
+              <a:latin typeface="M+ 1m medium" panose="020B0609020204020204" pitchFamily="49" charset="-128"/>
+              <a:ea typeface="M+ 1m medium" panose="020B0609020204020204" pitchFamily="49" charset="-128"/>
+            </a:endParaRPr>
+          </a:p>
+        </p:txBody>
+      </p:sp>
+      <p:sp>
+        <p:nvSpPr>
+          <p:cNvPr id="15" name="テキスト ボックス 14"/>
+          <p:cNvSpPr txBox="1"/>
+          <p:nvPr/>
+        </p:nvSpPr>
+        <p:spPr>
+          <a:xfrm>
+            <a:off x="3332277" y="347522"/>
+            <a:ext cx="3043679" cy="584775"/>
+          </a:xfrm>
+          <a:prstGeom prst="rect">
+            <a:avLst/>
+          </a:prstGeom>
+          <a:noFill/>
+        </p:spPr>
+        <p:txBody>
+          <a:bodyPr wrap="square" numCol="1" rtlCol="0">
+            <a:spAutoFit/>
+          </a:bodyPr>
+          <a:lstStyle/>
+          <a:p>
+            <a:pPr algn="ctr"/>
+            <a:r>
+              <a:rPr kumimoji="1" lang="ja-JP" altLang="en-US" sz="3200" dirty="0" smtClean="0">
+                <a:latin typeface="M+ 1m medium" panose="020B0609020204020204" pitchFamily="49" charset="-128"/>
+                <a:ea typeface="M+ 1m medium" panose="020B0609020204020204" pitchFamily="49" charset="-128"/>
+              </a:rPr>
+              <a:t>操作説明</a:t>
+            </a:r>
+            <a:endParaRPr kumimoji="1" lang="ja-JP" altLang="en-US" sz="3200" dirty="0">
               <a:latin typeface="M+ 1m medium" panose="020B0609020204020204" pitchFamily="49" charset="-128"/>
               <a:ea typeface="M+ 1m medium" panose="020B0609020204020204" pitchFamily="49" charset="-128"/>
             </a:endParaRPr>
@@ -4195,8 +4203,8 @@
         </p:nvSpPr>
         <p:spPr>
           <a:xfrm>
-            <a:off x="3436143" y="350715"/>
-            <a:ext cx="2695641" cy="584775"/>
+            <a:off x="3332277" y="347522"/>
+            <a:ext cx="3043679" cy="584775"/>
           </a:xfrm>
           <a:prstGeom prst="rect">
             <a:avLst/>
@@ -4209,12 +4217,13 @@
           </a:bodyPr>
           <a:lstStyle/>
           <a:p>
+            <a:pPr algn="ctr"/>
             <a:r>
               <a:rPr kumimoji="1" lang="ja-JP" altLang="en-US" sz="3200" dirty="0" smtClean="0">
                 <a:latin typeface="M+ 1m medium" panose="020B0609020204020204" pitchFamily="49" charset="-128"/>
                 <a:ea typeface="M+ 1m medium" panose="020B0609020204020204" pitchFamily="49" charset="-128"/>
               </a:rPr>
-              <a:t>操作説明など</a:t>
+              <a:t>敵などについて</a:t>
             </a:r>
             <a:endParaRPr kumimoji="1" lang="ja-JP" altLang="en-US" sz="3200" dirty="0">
               <a:latin typeface="M+ 1m medium" panose="020B0609020204020204" pitchFamily="49" charset="-128"/>
